--- a/presentation/final-presentation.pptx
+++ b/presentation/final-presentation.pptx
@@ -9,6 +9,8 @@
     <p:sldId id="257" r:id="rId3"/>
     <p:sldId id="258" r:id="rId4"/>
     <p:sldId id="259" r:id="rId5"/>
+    <p:sldId id="260" r:id="rId6"/>
+    <p:sldId id="261" r:id="rId7"/>
   </p:sldIdLst>
   <p:sldSz cx="9144000" cy="5143500" type="screen16x9"/>
   <p:notesSz cx="6858000" cy="9144000"/>
@@ -3118,7 +3120,7 @@
             </a:pPr>
             <a:r>
               <a:rPr/>
-              <a:t>Final Presentation</a:t>
+              <a:t>Fair Market Rent Difference: A Spatial Analysis of Unfair Housing Prices</a:t>
             </a:r>
           </a:p>
         </p:txBody>
@@ -3197,7 +3199,7 @@
             </a:pPr>
             <a:r>
               <a:rPr/>
-              <a:t>Quarto</a:t>
+              <a:t>Introduction</a:t>
             </a:r>
           </a:p>
         </p:txBody>
@@ -3217,22 +3219,36 @@
           <a:bodyPr/>
           <a:lstStyle/>
           <a:p>
-            <a:pPr lvl="0" indent="0" marL="0">
-              <a:buNone/>
-            </a:pPr>
+            <a:pPr lvl="0"/>
+            <a:r>
+              <a:rPr b="1"/>
+              <a:t>Problem</a:t>
+            </a:r>
             <a:r>
               <a:rPr/>
-              <a:t>Quarto enables you to weave together content and executable code into a finished presentation. To learn more about Quarto presentations see </a:t>
-            </a:r>
-            <a:r>
-              <a:rPr>
-                <a:hlinkClick r:id="rId2"/>
-              </a:rPr>
-              <a:t>https://quarto.org/docs/presentations/</a:t>
+              <a:t>: Housing prices are often unfair and unaffordable</a:t>
+            </a:r>
+          </a:p>
+          <a:p>
+            <a:pPr lvl="0"/>
+            <a:r>
+              <a:rPr b="1"/>
+              <a:t>Current Policy</a:t>
             </a:r>
             <a:r>
               <a:rPr/>
-              <a:t>.</a:t>
+              <a:t>: Fair Market Rent (FMR) is used to determine housing prices</a:t>
+            </a:r>
+          </a:p>
+          <a:p>
+            <a:pPr lvl="0"/>
+            <a:r>
+              <a:rPr b="1"/>
+              <a:t>Goal</a:t>
+            </a:r>
+            <a:r>
+              <a:rPr/>
+              <a:t>: Analyze the difference between FMR and actual housing prices to identify areas of unfair housing prices</a:t>
             </a:r>
           </a:p>
         </p:txBody>
@@ -3279,7 +3295,7 @@
             </a:pPr>
             <a:r>
               <a:rPr/>
-              <a:t>Bullets</a:t>
+              <a:t>Methods</a:t>
             </a:r>
           </a:p>
         </p:txBody>
@@ -3299,34 +3315,87 @@
           <a:bodyPr/>
           <a:lstStyle/>
           <a:p>
-            <a:pPr lvl="0" indent="0" marL="0">
-              <a:buNone/>
-            </a:pPr>
+            <a:pPr lvl="0"/>
+            <a:r>
+              <a:rPr b="1"/>
+              <a:t>Data</a:t>
+            </a:r>
             <a:r>
               <a:rPr/>
-              <a:t>When you click the </a:t>
-            </a:r>
+              <a:t>: 100k apartments for rent classified dataset</a:t>
+            </a:r>
+          </a:p>
+          <a:p>
+            <a:pPr lvl="0"/>
             <a:r>
               <a:rPr b="1"/>
-              <a:t>Render</a:t>
+              <a:t>Data</a:t>
             </a:r>
             <a:r>
               <a:rPr/>
-              <a:t> button a document will be generated that includes:</a:t>
+              <a:t>: Explain FMR dataset</a:t>
             </a:r>
           </a:p>
           <a:p>
             <a:pPr lvl="0"/>
             <a:r>
+              <a:rPr b="1"/>
+              <a:t>Analysis</a:t>
+            </a:r>
+            <a:r>
               <a:rPr/>
-              <a:t>Content authored with markdown</a:t>
+              <a:t>:</a:t>
+            </a:r>
+          </a:p>
+          <a:p>
+            <a:pPr lvl="1"/>
+            <a:r>
+              <a:rPr b="1"/>
+              <a:t>Exploratory Data Analysis</a:t>
+            </a:r>
+            <a:r>
+              <a:rPr/>
+              <a:t>: Analyze correlations between variables and create a basic linear model</a:t>
+            </a:r>
+          </a:p>
+          <a:p>
+            <a:pPr lvl="1"/>
+            <a:r>
+              <a:rPr b="1"/>
+              <a:t>Random Forest</a:t>
+            </a:r>
+            <a:r>
+              <a:rPr/>
+              <a:t>: Predict housing prices based on bedrooms, bathrooms, square footage, and population</a:t>
+            </a:r>
+          </a:p>
+          <a:p>
+            <a:pPr lvl="1"/>
+            <a:r>
+              <a:rPr b="1"/>
+              <a:t>Geographically Weighted Regression</a:t>
+            </a:r>
+            <a:r>
+              <a:rPr/>
+              <a:t>: Predict housing prices based on bedrooms, bathrooms, square footage, and population</a:t>
             </a:r>
           </a:p>
           <a:p>
             <a:pPr lvl="0"/>
             <a:r>
+              <a:rPr b="1"/>
+              <a:t>Model Choice</a:t>
+            </a:r>
+            <a:r>
               <a:rPr/>
-              <a:t>Output from executable code</a:t>
+              <a:t>: GWR was chosen because it accounts for spatial autocorrelation which was crucial in our understanding of how the covariates vary over space</a:t>
+            </a:r>
+          </a:p>
+          <a:p>
+            <a:pPr lvl="1"/>
+            <a:r>
+              <a:rPr/>
+              <a:t>Use the Simulation study as proof</a:t>
             </a:r>
           </a:p>
         </p:txBody>
@@ -3373,7 +3442,7 @@
             </a:pPr>
             <a:r>
               <a:rPr/>
-              <a:t>Code</a:t>
+              <a:t>Results</a:t>
             </a:r>
           </a:p>
         </p:txBody>
@@ -3393,31 +3462,185 @@
           <a:bodyPr/>
           <a:lstStyle/>
           <a:p>
+            <a:pPr lvl="0"/>
+            <a:r>
+              <a:rPr b="1"/>
+              <a:t>Insert Plots here</a:t>
+            </a:r>
+          </a:p>
+          <a:p>
+            <a:pPr lvl="0"/>
+            <a:r>
+              <a:rPr b="1"/>
+              <a:t>Show where in the US we see our greatest discrepancies</a:t>
+            </a:r>
+          </a:p>
+          <a:p>
+            <a:pPr lvl="0"/>
+            <a:r>
+              <a:rPr b="1"/>
+              <a:t>The validity of our results</a:t>
+            </a:r>
+          </a:p>
+        </p:txBody>
+      </p:sp>
+    </p:spTree>
+  </p:cSld>
+</p:sld>
+</file>
+
+<file path=ppt/slides/slide5.xml><?xml version="1.0" encoding="utf-8"?>
+<p:sld xmlns:a="http://schemas.openxmlformats.org/drawingml/2006/main" xmlns:r="http://schemas.openxmlformats.org/officeDocument/2006/relationships" xmlns:p="http://schemas.openxmlformats.org/presentationml/2006/main">
+  <p:cSld>
+    <p:spTree>
+      <p:nvGrpSpPr>
+        <p:cNvPr id="1" name=""/>
+        <p:cNvGrpSpPr/>
+        <p:nvPr/>
+      </p:nvGrpSpPr>
+      <p:grpSpPr>
+        <a:xfrm>
+          <a:off x="0" y="0"/>
+          <a:ext cx="0" cy="0"/>
+          <a:chOff x="0" y="0"/>
+          <a:chExt cx="0" cy="0"/>
+        </a:xfrm>
+      </p:grpSpPr>
+      <p:sp>
+        <p:nvSpPr>
+          <p:cNvPr id="2" name="Title 1"/>
+          <p:cNvSpPr>
+            <a:spLocks noGrp="1"/>
+          </p:cNvSpPr>
+          <p:nvPr>
+            <p:ph type="title"/>
+          </p:nvPr>
+        </p:nvSpPr>
+        <p:spPr/>
+        <p:txBody>
+          <a:bodyPr/>
+          <a:lstStyle/>
+          <a:p>
             <a:pPr lvl="0" indent="0" marL="0">
               <a:buNone/>
             </a:pPr>
             <a:r>
               <a:rPr/>
-              <a:t>When you click the </a:t>
-            </a:r>
+              <a:t>Discusion</a:t>
+            </a:r>
+          </a:p>
+        </p:txBody>
+      </p:sp>
+      <p:sp>
+        <p:nvSpPr>
+          <p:cNvPr id="3" name="Content Placeholder 2"/>
+          <p:cNvSpPr>
+            <a:spLocks noGrp="1"/>
+          </p:cNvSpPr>
+          <p:nvPr>
+            <p:ph idx="1"/>
+          </p:nvPr>
+        </p:nvSpPr>
+        <p:spPr/>
+        <p:txBody>
+          <a:bodyPr/>
+          <a:lstStyle/>
+          <a:p>
+            <a:pPr lvl="0"/>
             <a:r>
               <a:rPr b="1"/>
-              <a:t>Render</a:t>
-            </a:r>
+              <a:t>What do our results mean?</a:t>
+            </a:r>
+          </a:p>
+          <a:p>
+            <a:pPr lvl="0"/>
+            <a:r>
+              <a:rPr b="1"/>
+              <a:t>Why are some areas more unfair than others?</a:t>
+            </a:r>
+          </a:p>
+          <a:p>
+            <a:pPr lvl="0"/>
+            <a:r>
+              <a:rPr b="1"/>
+              <a:t>How can we use this information to make housing more affordable?</a:t>
+            </a:r>
+          </a:p>
+        </p:txBody>
+      </p:sp>
+    </p:spTree>
+  </p:cSld>
+</p:sld>
+</file>
+
+<file path=ppt/slides/slide6.xml><?xml version="1.0" encoding="utf-8"?>
+<p:sld xmlns:a="http://schemas.openxmlformats.org/drawingml/2006/main" xmlns:r="http://schemas.openxmlformats.org/officeDocument/2006/relationships" xmlns:p="http://schemas.openxmlformats.org/presentationml/2006/main">
+  <p:cSld>
+    <p:spTree>
+      <p:nvGrpSpPr>
+        <p:cNvPr id="1" name=""/>
+        <p:cNvGrpSpPr/>
+        <p:nvPr/>
+      </p:nvGrpSpPr>
+      <p:grpSpPr>
+        <a:xfrm>
+          <a:off x="0" y="0"/>
+          <a:ext cx="0" cy="0"/>
+          <a:chOff x="0" y="0"/>
+          <a:chExt cx="0" cy="0"/>
+        </a:xfrm>
+      </p:grpSpPr>
+      <p:sp>
+        <p:nvSpPr>
+          <p:cNvPr id="2" name="Title 1"/>
+          <p:cNvSpPr>
+            <a:spLocks noGrp="1"/>
+          </p:cNvSpPr>
+          <p:nvPr>
+            <p:ph type="title"/>
+          </p:nvPr>
+        </p:nvSpPr>
+        <p:spPr/>
+        <p:txBody>
+          <a:bodyPr/>
+          <a:lstStyle/>
+          <a:p>
+            <a:pPr lvl="0" indent="0" marL="0">
+              <a:buNone/>
+            </a:pPr>
             <a:r>
               <a:rPr/>
-              <a:t> button a presentation will be generated that includes both content and the output of embedded code. You can embed code like this:</a:t>
-            </a:r>
-          </a:p>
-          <a:p>
-            <a:pPr lvl="0" indent="0">
-              <a:buNone/>
-            </a:pPr>
-            <a:r>
-              <a:rPr>
-                <a:latin typeface="Courier"/>
-              </a:rPr>
-              <a:t>[1] 2</a:t>
+              <a:t>Conclusion</a:t>
+            </a:r>
+          </a:p>
+        </p:txBody>
+      </p:sp>
+      <p:sp>
+        <p:nvSpPr>
+          <p:cNvPr id="3" name="Content Placeholder 2"/>
+          <p:cNvSpPr>
+            <a:spLocks noGrp="1"/>
+          </p:cNvSpPr>
+          <p:nvPr>
+            <p:ph idx="1"/>
+          </p:nvPr>
+        </p:nvSpPr>
+        <p:spPr/>
+        <p:txBody>
+          <a:bodyPr/>
+          <a:lstStyle/>
+          <a:p>
+            <a:pPr lvl="0"/>
+            <a:r>
+              <a:rPr b="1"/>
+              <a:t>Summarize our results</a:t>
+            </a:r>
+          </a:p>
+          <a:p>
+            <a:pPr lvl="0"/>
+            <a:r>
+              <a:rPr b="1"/>
+              <a:t>Moving forward, what can we do to improve upon our research</a:t>
             </a:r>
           </a:p>
         </p:txBody>

--- a/presentation/final-presentation.pptx
+++ b/presentation/final-presentation.pptx
@@ -3230,6 +3230,11 @@
             </a:r>
           </a:p>
           <a:p>
+            <a:pPr lvl="1" indent="0" marL="342900">
+              <a:buNone/>
+            </a:pPr>
+          </a:p>
+          <a:p>
             <a:pPr lvl="0"/>
             <a:r>
               <a:rPr b="1"/>
@@ -3238,6 +3243,13 @@
             <a:r>
               <a:rPr/>
               <a:t>: Fair Market Rent (FMR) is used to determine housing prices</a:t>
+            </a:r>
+          </a:p>
+          <a:p>
+            <a:pPr lvl="1"/>
+            <a:r>
+              <a:rPr/>
+              <a:t>Problem is that it only looks at a narrow portion of what influences housing prices</a:t>
             </a:r>
           </a:p>
           <a:p>
@@ -3322,7 +3334,7 @@
             </a:r>
             <a:r>
               <a:rPr/>
-              <a:t>: 100k apartments for rent classified dataset</a:t>
+              <a:t>: 100k apartments for Rent Classified Dataset</a:t>
             </a:r>
           </a:p>
           <a:p>
@@ -3333,7 +3345,7 @@
             </a:r>
             <a:r>
               <a:rPr/>
-              <a:t>: Explain FMR dataset</a:t>
+              <a:t>: FMR Dataset</a:t>
             </a:r>
           </a:p>
           <a:p>
@@ -3526,7 +3538,7 @@
             </a:pPr>
             <a:r>
               <a:rPr/>
-              <a:t>Discusion</a:t>
+              <a:t>Discussion</a:t>
             </a:r>
           </a:p>
         </p:txBody>
@@ -3557,6 +3569,13 @@
             <a:r>
               <a:rPr b="1"/>
               <a:t>Why are some areas more unfair than others?</a:t>
+            </a:r>
+          </a:p>
+          <a:p>
+            <a:pPr lvl="1"/>
+            <a:r>
+              <a:rPr/>
+              <a:t>New York City, Western Coast, Colorado, Miami</a:t>
             </a:r>
           </a:p>
           <a:p>
@@ -3630,7 +3649,12 @@
           <a:bodyPr/>
           <a:lstStyle/>
           <a:p>
-            <a:pPr lvl="0"/>
+            <a:pPr lvl="0" indent="0" marL="0">
+              <a:spcBef>
+                <a:spcPts val="3000"/>
+              </a:spcBef>
+              <a:buNone/>
+            </a:pPr>
             <a:r>
               <a:rPr b="1"/>
               <a:t>Summarize our results</a:t>

--- a/presentation/final-presentation.pptx
+++ b/presentation/final-presentation.pptx
@@ -11,6 +11,8 @@
     <p:sldId id="259" r:id="rId5"/>
     <p:sldId id="260" r:id="rId6"/>
     <p:sldId id="261" r:id="rId7"/>
+    <p:sldId id="262" r:id="rId8"/>
+    <p:sldId id="263" r:id="rId9"/>
   </p:sldIdLst>
   <p:sldSz cx="9144000" cy="5143500" type="screen16x9"/>
   <p:notesSz cx="6858000" cy="9144000"/>
@@ -3230,9 +3232,11 @@
             </a:r>
           </a:p>
           <a:p>
-            <a:pPr lvl="1" indent="0" marL="342900">
-              <a:buNone/>
-            </a:pPr>
+            <a:pPr lvl="1"/>
+            <a:r>
+              <a:rPr/>
+              <a:t>Insert Housing vs Income Image</a:t>
+            </a:r>
           </a:p>
           <a:p>
             <a:pPr lvl="0"/>
@@ -3307,111 +3311,41 @@
             </a:pPr>
             <a:r>
               <a:rPr/>
-              <a:t>Methods</a:t>
-            </a:r>
-          </a:p>
-        </p:txBody>
-      </p:sp>
-      <p:sp>
-        <p:nvSpPr>
-          <p:cNvPr id="3" name="Content Placeholder 2"/>
-          <p:cNvSpPr>
-            <a:spLocks noGrp="1"/>
-          </p:cNvSpPr>
-          <p:nvPr>
-            <p:ph idx="1"/>
-          </p:nvPr>
-        </p:nvSpPr>
-        <p:spPr/>
-        <p:txBody>
-          <a:bodyPr/>
-          <a:lstStyle/>
-          <a:p>
-            <a:pPr lvl="0"/>
-            <a:r>
-              <a:rPr b="1"/>
-              <a:t>Data</a:t>
-            </a:r>
-            <a:r>
-              <a:rPr/>
-              <a:t>: 100k apartments for Rent Classified Dataset</a:t>
-            </a:r>
-          </a:p>
-          <a:p>
-            <a:pPr lvl="0"/>
-            <a:r>
-              <a:rPr b="1"/>
-              <a:t>Data</a:t>
-            </a:r>
-            <a:r>
-              <a:rPr/>
-              <a:t>: FMR Dataset</a:t>
-            </a:r>
-          </a:p>
-          <a:p>
-            <a:pPr lvl="0"/>
-            <a:r>
-              <a:rPr b="1"/>
-              <a:t>Analysis</a:t>
-            </a:r>
-            <a:r>
-              <a:rPr/>
-              <a:t>:</a:t>
-            </a:r>
-          </a:p>
-          <a:p>
-            <a:pPr lvl="1"/>
-            <a:r>
-              <a:rPr b="1"/>
-              <a:t>Exploratory Data Analysis</a:t>
-            </a:r>
-            <a:r>
-              <a:rPr/>
-              <a:t>: Analyze correlations between variables and create a basic linear model</a:t>
-            </a:r>
-          </a:p>
-          <a:p>
-            <a:pPr lvl="1"/>
-            <a:r>
-              <a:rPr b="1"/>
-              <a:t>Random Forest</a:t>
-            </a:r>
-            <a:r>
-              <a:rPr/>
-              <a:t>: Predict housing prices based on bedrooms, bathrooms, square footage, and population</a:t>
-            </a:r>
-          </a:p>
-          <a:p>
-            <a:pPr lvl="1"/>
-            <a:r>
-              <a:rPr b="1"/>
-              <a:t>Geographically Weighted Regression</a:t>
-            </a:r>
-            <a:r>
-              <a:rPr/>
-              <a:t>: Predict housing prices based on bedrooms, bathrooms, square footage, and population</a:t>
-            </a:r>
-          </a:p>
-          <a:p>
-            <a:pPr lvl="0"/>
-            <a:r>
-              <a:rPr b="1"/>
-              <a:t>Model Choice</a:t>
-            </a:r>
-            <a:r>
-              <a:rPr/>
-              <a:t>: GWR was chosen because it accounts for spatial autocorrelation which was crucial in our understanding of how the covariates vary over space</a:t>
-            </a:r>
-          </a:p>
-          <a:p>
-            <a:pPr lvl="1"/>
-            <a:r>
-              <a:rPr/>
-              <a:t>Use the Simulation study as proof</a:t>
-            </a:r>
-          </a:p>
-        </p:txBody>
-      </p:sp>
+              <a:t>Simulation</a:t>
+            </a:r>
+          </a:p>
+        </p:txBody>
+      </p:sp>
+      <p:pic>
+        <p:nvPicPr>
+          <p:cNvPr descr="final-presentation_files/figure-pptx/unnamed-chunk-2-1.png" id="0" name="Picture 1"/>
+          <p:cNvPicPr>
+            <a:picLocks noGrp="1" noChangeAspect="1"/>
+          </p:cNvPicPr>
+          <p:nvPr/>
+        </p:nvPicPr>
+        <p:blipFill>
+          <a:blip r:embed="rId2"/>
+          <a:stretch>
+            <a:fillRect/>
+          </a:stretch>
+        </p:blipFill>
+        <p:spPr bwMode="auto">
+          <a:xfrm>
+            <a:off x="1181100" y="1193800"/>
+            <a:ext cx="6781800" cy="3390900"/>
+          </a:xfrm>
+          <a:prstGeom prst="rect">
+            <a:avLst/>
+          </a:prstGeom>
+          <a:noFill/>
+          <a:ln w="9525">
+            <a:noFill/>
+            <a:headEnd/>
+            <a:tailEnd/>
+          </a:ln>
+        </p:spPr>
+      </p:pic>
     </p:spTree>
   </p:cSld>
 </p:sld>
@@ -3454,7 +3388,7 @@
             </a:pPr>
             <a:r>
               <a:rPr/>
-              <a:t>Results</a:t>
+              <a:t>Methods</a:t>
             </a:r>
           </a:p>
         </p:txBody>
@@ -3477,21 +3411,66 @@
             <a:pPr lvl="0"/>
             <a:r>
               <a:rPr b="1"/>
-              <a:t>Insert Plots here</a:t>
+              <a:t>Data</a:t>
+            </a:r>
+            <a:r>
+              <a:rPr/>
+              <a:t>: 100k apartments for Rent Classified Dataset</a:t>
             </a:r>
           </a:p>
           <a:p>
             <a:pPr lvl="0"/>
             <a:r>
               <a:rPr b="1"/>
-              <a:t>Show where in the US we see our greatest discrepancies</a:t>
+              <a:t>Data</a:t>
+            </a:r>
+            <a:r>
+              <a:rPr/>
+              <a:t>: FMR Dataset</a:t>
             </a:r>
           </a:p>
           <a:p>
             <a:pPr lvl="0"/>
             <a:r>
               <a:rPr b="1"/>
-              <a:t>The validity of our results</a:t>
+              <a:t>Analysis</a:t>
+            </a:r>
+            <a:r>
+              <a:rPr/>
+              <a:t>:</a:t>
+            </a:r>
+          </a:p>
+          <a:p>
+            <a:pPr lvl="1"/>
+            <a:r>
+              <a:rPr b="1"/>
+              <a:t>Exploratory Data Analysis</a:t>
+            </a:r>
+            <a:r>
+              <a:rPr/>
+              <a:t>: Analyze correlations between variables and create a basic linear model</a:t>
+            </a:r>
+          </a:p>
+          <a:p>
+            <a:pPr lvl="1"/>
+            <a:r>
+              <a:rPr b="1"/>
+              <a:t>Random Forest</a:t>
+            </a:r>
+            <a:r>
+              <a:rPr/>
+              <a:t>: Predict housing prices based on bedrooms, bathrooms, square footage, and population</a:t>
+            </a:r>
+          </a:p>
+          <a:p>
+            <a:pPr lvl="1"/>
+            <a:r>
+              <a:rPr b="1"/>
+              <a:t>Geographically Weighted Regression</a:t>
+            </a:r>
+            <a:r>
+              <a:rPr/>
+              <a:t>: Predict housing prices based on bedrooms, bathrooms, square footage, and population</a:t>
             </a:r>
           </a:p>
         </p:txBody>
@@ -3538,7 +3517,7 @@
             </a:pPr>
             <a:r>
               <a:rPr/>
-              <a:t>Discussion</a:t>
+              <a:t>Methods</a:t>
             </a:r>
           </a:p>
         </p:txBody>
@@ -3561,28 +3540,11 @@
             <a:pPr lvl="0"/>
             <a:r>
               <a:rPr b="1"/>
-              <a:t>What do our results mean?</a:t>
-            </a:r>
-          </a:p>
-          <a:p>
-            <a:pPr lvl="0"/>
-            <a:r>
-              <a:rPr b="1"/>
-              <a:t>Why are some areas more unfair than others?</a:t>
-            </a:r>
-          </a:p>
-          <a:p>
-            <a:pPr lvl="1"/>
+              <a:t>Model Choice</a:t>
+            </a:r>
             <a:r>
               <a:rPr/>
-              <a:t>New York City, Western Coast, Colorado, Miami</a:t>
-            </a:r>
-          </a:p>
-          <a:p>
-            <a:pPr lvl="0"/>
-            <a:r>
-              <a:rPr b="1"/>
-              <a:t>How can we use this information to make housing more affordable?</a:t>
+              <a:t>: GWR was chosen because it accounts for spatial autocorrelation which was crucial in our understanding of how the covariates vary over space</a:t>
             </a:r>
           </a:p>
         </p:txBody>
@@ -3629,6 +3591,195 @@
             </a:pPr>
             <a:r>
               <a:rPr/>
+              <a:t>Results</a:t>
+            </a:r>
+          </a:p>
+        </p:txBody>
+      </p:sp>
+      <p:sp>
+        <p:nvSpPr>
+          <p:cNvPr id="3" name="Content Placeholder 2"/>
+          <p:cNvSpPr>
+            <a:spLocks noGrp="1"/>
+          </p:cNvSpPr>
+          <p:nvPr>
+            <p:ph idx="1"/>
+          </p:nvPr>
+        </p:nvSpPr>
+        <p:spPr/>
+        <p:txBody>
+          <a:bodyPr/>
+          <a:lstStyle/>
+          <a:p>
+            <a:pPr lvl="0"/>
+            <a:r>
+              <a:rPr b="1"/>
+              <a:t>Insert Plots here</a:t>
+            </a:r>
+          </a:p>
+          <a:p>
+            <a:pPr lvl="0"/>
+            <a:r>
+              <a:rPr b="1"/>
+              <a:t>Show where in the US we see our greatest discrepancies</a:t>
+            </a:r>
+          </a:p>
+          <a:p>
+            <a:pPr lvl="0"/>
+            <a:r>
+              <a:rPr b="1"/>
+              <a:t>The validity of our results</a:t>
+            </a:r>
+          </a:p>
+        </p:txBody>
+      </p:sp>
+    </p:spTree>
+  </p:cSld>
+</p:sld>
+</file>
+
+<file path=ppt/slides/slide7.xml><?xml version="1.0" encoding="utf-8"?>
+<p:sld xmlns:a="http://schemas.openxmlformats.org/drawingml/2006/main" xmlns:r="http://schemas.openxmlformats.org/officeDocument/2006/relationships" xmlns:p="http://schemas.openxmlformats.org/presentationml/2006/main">
+  <p:cSld>
+    <p:spTree>
+      <p:nvGrpSpPr>
+        <p:cNvPr id="1" name=""/>
+        <p:cNvGrpSpPr/>
+        <p:nvPr/>
+      </p:nvGrpSpPr>
+      <p:grpSpPr>
+        <a:xfrm>
+          <a:off x="0" y="0"/>
+          <a:ext cx="0" cy="0"/>
+          <a:chOff x="0" y="0"/>
+          <a:chExt cx="0" cy="0"/>
+        </a:xfrm>
+      </p:grpSpPr>
+      <p:sp>
+        <p:nvSpPr>
+          <p:cNvPr id="2" name="Title 1"/>
+          <p:cNvSpPr>
+            <a:spLocks noGrp="1"/>
+          </p:cNvSpPr>
+          <p:nvPr>
+            <p:ph type="title"/>
+          </p:nvPr>
+        </p:nvSpPr>
+        <p:spPr/>
+        <p:txBody>
+          <a:bodyPr/>
+          <a:lstStyle/>
+          <a:p>
+            <a:pPr lvl="0" indent="0" marL="0">
+              <a:buNone/>
+            </a:pPr>
+            <a:r>
+              <a:rPr/>
+              <a:t>Discussion</a:t>
+            </a:r>
+          </a:p>
+        </p:txBody>
+      </p:sp>
+      <p:sp>
+        <p:nvSpPr>
+          <p:cNvPr id="3" name="Content Placeholder 2"/>
+          <p:cNvSpPr>
+            <a:spLocks noGrp="1"/>
+          </p:cNvSpPr>
+          <p:nvPr>
+            <p:ph idx="1"/>
+          </p:nvPr>
+        </p:nvSpPr>
+        <p:spPr/>
+        <p:txBody>
+          <a:bodyPr/>
+          <a:lstStyle/>
+          <a:p>
+            <a:pPr lvl="0"/>
+            <a:r>
+              <a:rPr b="1"/>
+              <a:t>What do our results mean?</a:t>
+            </a:r>
+          </a:p>
+          <a:p>
+            <a:pPr lvl="0"/>
+            <a:r>
+              <a:rPr b="1"/>
+              <a:t>Why are some areas more unfair than others?</a:t>
+            </a:r>
+          </a:p>
+          <a:p>
+            <a:pPr lvl="1"/>
+            <a:r>
+              <a:rPr/>
+              <a:t>New York City, Western Coast, Colorado, Miami</a:t>
+            </a:r>
+          </a:p>
+          <a:p>
+            <a:pPr lvl="2"/>
+            <a:r>
+              <a:rPr/>
+              <a:t>Insert city images here</a:t>
+            </a:r>
+          </a:p>
+          <a:p>
+            <a:pPr lvl="0"/>
+            <a:r>
+              <a:rPr b="1"/>
+              <a:t>How can we use this information to make housing more affordable?</a:t>
+            </a:r>
+          </a:p>
+          <a:p>
+            <a:pPr lvl="1"/>
+            <a:r>
+              <a:rPr/>
+              <a:t>Information can be used to pinpoint</a:t>
+            </a:r>
+          </a:p>
+        </p:txBody>
+      </p:sp>
+    </p:spTree>
+  </p:cSld>
+</p:sld>
+</file>
+
+<file path=ppt/slides/slide8.xml><?xml version="1.0" encoding="utf-8"?>
+<p:sld xmlns:a="http://schemas.openxmlformats.org/drawingml/2006/main" xmlns:r="http://schemas.openxmlformats.org/officeDocument/2006/relationships" xmlns:p="http://schemas.openxmlformats.org/presentationml/2006/main">
+  <p:cSld>
+    <p:spTree>
+      <p:nvGrpSpPr>
+        <p:cNvPr id="1" name=""/>
+        <p:cNvGrpSpPr/>
+        <p:nvPr/>
+      </p:nvGrpSpPr>
+      <p:grpSpPr>
+        <a:xfrm>
+          <a:off x="0" y="0"/>
+          <a:ext cx="0" cy="0"/>
+          <a:chOff x="0" y="0"/>
+          <a:chExt cx="0" cy="0"/>
+        </a:xfrm>
+      </p:grpSpPr>
+      <p:sp>
+        <p:nvSpPr>
+          <p:cNvPr id="2" name="Title 1"/>
+          <p:cNvSpPr>
+            <a:spLocks noGrp="1"/>
+          </p:cNvSpPr>
+          <p:nvPr>
+            <p:ph type="title"/>
+          </p:nvPr>
+        </p:nvSpPr>
+        <p:spPr/>
+        <p:txBody>
+          <a:bodyPr/>
+          <a:lstStyle/>
+          <a:p>
+            <a:pPr lvl="0" indent="0" marL="0">
+              <a:buNone/>
+            </a:pPr>
+            <a:r>
+              <a:rPr/>
               <a:t>Conclusion</a:t>
             </a:r>
           </a:p>
@@ -3649,15 +3800,10 @@
           <a:bodyPr/>
           <a:lstStyle/>
           <a:p>
-            <a:pPr lvl="0" indent="0" marL="0">
-              <a:spcBef>
-                <a:spcPts val="3000"/>
-              </a:spcBef>
-              <a:buNone/>
-            </a:pPr>
-            <a:r>
-              <a:rPr b="1"/>
-              <a:t>Summarize our results</a:t>
+            <a:pPr lvl="0"/>
+            <a:r>
+              <a:rPr/>
+              <a:t>We see in the aforementioned areas that there are other factors that the FMR cannot capture</a:t>
             </a:r>
           </a:p>
           <a:p>

--- a/presentation/final-presentation.pptx
+++ b/presentation/final-presentation.pptx
@@ -3232,13 +3232,6 @@
             </a:r>
           </a:p>
           <a:p>
-            <a:pPr lvl="1"/>
-            <a:r>
-              <a:rPr/>
-              <a:t>Insert Housing vs Income Image</a:t>
-            </a:r>
-          </a:p>
-          <a:p>
             <a:pPr lvl="0"/>
             <a:r>
               <a:rPr b="1"/>
@@ -3596,43 +3589,36 @@
           </a:p>
         </p:txBody>
       </p:sp>
-      <p:sp>
-        <p:nvSpPr>
-          <p:cNvPr id="3" name="Content Placeholder 2"/>
-          <p:cNvSpPr>
-            <a:spLocks noGrp="1"/>
-          </p:cNvSpPr>
-          <p:nvPr>
-            <p:ph idx="1"/>
-          </p:nvPr>
-        </p:nvSpPr>
-        <p:spPr/>
-        <p:txBody>
-          <a:bodyPr/>
-          <a:lstStyle/>
-          <a:p>
-            <a:pPr lvl="0"/>
-            <a:r>
-              <a:rPr b="1"/>
-              <a:t>Insert Plots here</a:t>
-            </a:r>
-          </a:p>
-          <a:p>
-            <a:pPr lvl="0"/>
-            <a:r>
-              <a:rPr b="1"/>
-              <a:t>Show where in the US we see our greatest discrepancies</a:t>
-            </a:r>
-          </a:p>
-          <a:p>
-            <a:pPr lvl="0"/>
-            <a:r>
-              <a:rPr b="1"/>
-              <a:t>The validity of our results</a:t>
-            </a:r>
-          </a:p>
-        </p:txBody>
-      </p:sp>
+      <p:pic>
+        <p:nvPicPr>
+          <p:cNvPr descr="final-presentation_files/figure-pptx/unnamed-chunk-3-1.png" id="0" name="Picture 1"/>
+          <p:cNvPicPr>
+            <a:picLocks noGrp="1" noChangeAspect="1"/>
+          </p:cNvPicPr>
+          <p:nvPr/>
+        </p:nvPicPr>
+        <p:blipFill>
+          <a:blip r:embed="rId2"/>
+          <a:stretch>
+            <a:fillRect/>
+          </a:stretch>
+        </p:blipFill>
+        <p:spPr bwMode="auto">
+          <a:xfrm>
+            <a:off x="1181100" y="1193800"/>
+            <a:ext cx="6781800" cy="3390900"/>
+          </a:xfrm>
+          <a:prstGeom prst="rect">
+            <a:avLst/>
+          </a:prstGeom>
+          <a:noFill/>
+          <a:ln w="9525">
+            <a:noFill/>
+            <a:headEnd/>
+            <a:tailEnd/>
+          </a:ln>
+        </p:spPr>
+      </p:pic>
     </p:spTree>
   </p:cSld>
 </p:sld>
@@ -3713,13 +3699,6 @@
             <a:r>
               <a:rPr/>
               <a:t>New York City, Western Coast, Colorado, Miami</a:t>
-            </a:r>
-          </a:p>
-          <a:p>
-            <a:pPr lvl="2"/>
-            <a:r>
-              <a:rPr/>
-              <a:t>Insert city images here</a:t>
             </a:r>
           </a:p>
           <a:p>
